--- a/前野七楓/3Dチーム制作/3Dチーム制作ワンシート.pptx
+++ b/前野七楓/3Dチーム制作/3Dチーム制作ワンシート.pptx
@@ -3267,8 +3267,8 @@
         </p:nvSpPr>
         <p:spPr>
           <a:xfrm>
-            <a:off x="433754" y="234461"/>
-            <a:ext cx="2098432" cy="461665"/>
+            <a:off x="71801" y="53572"/>
+            <a:ext cx="2951815" cy="646331"/>
           </a:xfrm>
           <a:prstGeom prst="rect">
             <a:avLst/>
@@ -3282,7 +3282,7 @@
           <a:lstStyle/>
           <a:p>
             <a:r>
-              <a:rPr kumimoji="1" lang="en-US" altLang="ja-JP" sz="2400" dirty="0" smtClean="0">
+              <a:rPr kumimoji="1" lang="en-US" altLang="ja-JP" sz="3600" dirty="0" smtClean="0">
                 <a:ln>
                   <a:solidFill>
                     <a:schemeClr val="accent1">
@@ -3290,8 +3290,24 @@
                     </a:schemeClr>
                   </a:solidFill>
                 </a:ln>
+                <a:latin typeface="HGP行書体" panose="03000600000000000000" pitchFamily="66" charset="-128"/>
+                <a:ea typeface="HGP行書体" panose="03000600000000000000" pitchFamily="66" charset="-128"/>
               </a:rPr>
               <a:t>3D</a:t>
+            </a:r>
+            <a:r>
+              <a:rPr kumimoji="1" lang="ja-JP" altLang="en-US" sz="3600" dirty="0" smtClean="0">
+                <a:ln>
+                  <a:solidFill>
+                    <a:schemeClr val="accent1">
+                      <a:lumMod val="75000"/>
+                    </a:schemeClr>
+                  </a:solidFill>
+                </a:ln>
+                <a:latin typeface="HGP行書体" panose="03000600000000000000" pitchFamily="66" charset="-128"/>
+                <a:ea typeface="HGP行書体" panose="03000600000000000000" pitchFamily="66" charset="-128"/>
+              </a:rPr>
+              <a:t>チーム制作</a:t>
             </a:r>
             <a:r>
               <a:rPr kumimoji="1" lang="ja-JP" altLang="en-US" sz="2400" dirty="0" smtClean="0">
@@ -3303,7 +3319,7 @@
                   </a:solidFill>
                 </a:ln>
               </a:rPr>
-              <a:t>チーム制作　</a:t>
+              <a:t>　</a:t>
             </a:r>
             <a:endParaRPr kumimoji="1" lang="ja-JP" altLang="en-US" sz="2400" dirty="0">
               <a:ln>
@@ -3319,14 +3335,14 @@
       </p:sp>
       <p:sp>
         <p:nvSpPr>
-          <p:cNvPr id="5" name="正方形/長方形 4"/>
+          <p:cNvPr id="6" name="正方形/長方形 5"/>
           <p:cNvSpPr/>
           <p:nvPr/>
         </p:nvSpPr>
         <p:spPr>
           <a:xfrm>
-            <a:off x="697525" y="1005949"/>
-            <a:ext cx="2151180" cy="695639"/>
+            <a:off x="0" y="4423429"/>
+            <a:ext cx="6857998" cy="1497089"/>
           </a:xfrm>
           <a:prstGeom prst="rect">
             <a:avLst/>
@@ -3352,31 +3368,58 @@
           <a:bodyPr rtlCol="0" anchor="ctr"/>
           <a:lstStyle/>
           <a:p>
-            <a:pPr algn="ctr"/>
-            <a:r>
-              <a:rPr kumimoji="1" lang="ja-JP" altLang="en-US" sz="2800" dirty="0" smtClean="0">
-                <a:latin typeface="HGP行書体" panose="03000600000000000000" pitchFamily="66" charset="-128"/>
-                <a:ea typeface="HGP行書体" panose="03000600000000000000" pitchFamily="66" charset="-128"/>
-              </a:rPr>
-              <a:t>コンセプト</a:t>
-            </a:r>
-            <a:endParaRPr kumimoji="1" lang="ja-JP" altLang="en-US" sz="2800" dirty="0">
-              <a:latin typeface="HGP行書体" panose="03000600000000000000" pitchFamily="66" charset="-128"/>
-              <a:ea typeface="HGP行書体" panose="03000600000000000000" pitchFamily="66" charset="-128"/>
-            </a:endParaRPr>
-          </a:p>
-        </p:txBody>
-      </p:sp>
-      <p:sp>
-        <p:nvSpPr>
-          <p:cNvPr id="6" name="正方形/長方形 5"/>
+            <a:r>
+              <a:rPr lang="ja-JP" altLang="en-US" sz="2800" b="1" dirty="0" smtClean="0"/>
+              <a:t>・サイボーグ</a:t>
+            </a:r>
+            <a:r>
+              <a:rPr lang="en-US" altLang="ja-JP" sz="2800" b="1" dirty="0" smtClean="0"/>
+              <a:t>(</a:t>
+            </a:r>
+            <a:r>
+              <a:rPr lang="ja-JP" altLang="en-US" sz="2800" b="1" dirty="0" smtClean="0"/>
+              <a:t>忍者</a:t>
+            </a:r>
+            <a:r>
+              <a:rPr lang="en-US" altLang="ja-JP" sz="2800" b="1" dirty="0" smtClean="0"/>
+              <a:t>)</a:t>
+            </a:r>
+            <a:r>
+              <a:rPr lang="ja-JP" altLang="en-US" sz="2800" b="1" dirty="0" smtClean="0"/>
+              <a:t>がロボットと戦う</a:t>
+            </a:r>
+            <a:endParaRPr lang="en-US" altLang="ja-JP" sz="2800" b="1" dirty="0" smtClean="0"/>
+          </a:p>
+          <a:p>
+            <a:r>
+              <a:rPr lang="ja-JP" altLang="en-US" sz="2800" b="1" dirty="0"/>
+              <a:t>・忍者の速さ＋サイボーグの</a:t>
+            </a:r>
+            <a:r>
+              <a:rPr lang="ja-JP" altLang="en-US" sz="2800" b="1" dirty="0" smtClean="0"/>
+              <a:t>かっこよさ</a:t>
+            </a:r>
+            <a:endParaRPr lang="en-US" altLang="ja-JP" sz="2800" b="1" dirty="0" smtClean="0"/>
+          </a:p>
+          <a:p>
+            <a:r>
+              <a:rPr lang="ja-JP" altLang="en-US" sz="2800" b="1" dirty="0" smtClean="0"/>
+              <a:t>　をかけ合わせたアクション</a:t>
+            </a:r>
+            <a:endParaRPr lang="en-US" altLang="ja-JP" sz="2800" b="1" dirty="0"/>
+          </a:p>
+        </p:txBody>
+      </p:sp>
+      <p:sp>
+        <p:nvSpPr>
+          <p:cNvPr id="7" name="正方形/長方形 6"/>
           <p:cNvSpPr/>
           <p:nvPr/>
         </p:nvSpPr>
         <p:spPr>
           <a:xfrm>
-            <a:off x="237390" y="3969607"/>
-            <a:ext cx="3865687" cy="2919046"/>
+            <a:off x="-4" y="7536866"/>
+            <a:ext cx="6858000" cy="2369134"/>
           </a:xfrm>
           <a:prstGeom prst="rect">
             <a:avLst/>
@@ -3402,84 +3445,29 @@
           <a:bodyPr rtlCol="0" anchor="ctr"/>
           <a:lstStyle/>
           <a:p>
-            <a:pPr algn="ctr"/>
-            <a:r>
-              <a:rPr lang="ja-JP" altLang="en-US" dirty="0" smtClean="0"/>
-              <a:t>サイボーグ</a:t>
-            </a:r>
-            <a:r>
-              <a:rPr lang="en-US" altLang="ja-JP" dirty="0" smtClean="0"/>
-              <a:t>(</a:t>
-            </a:r>
-            <a:r>
-              <a:rPr lang="ja-JP" altLang="en-US" dirty="0" smtClean="0"/>
-              <a:t>忍者</a:t>
-            </a:r>
-            <a:r>
-              <a:rPr lang="en-US" altLang="ja-JP" dirty="0" smtClean="0"/>
-              <a:t>)</a:t>
-            </a:r>
-            <a:r>
-              <a:rPr lang="ja-JP" altLang="en-US" dirty="0" smtClean="0"/>
-              <a:t>がロボットと戦う</a:t>
-            </a:r>
-            <a:endParaRPr kumimoji="1" lang="ja-JP" altLang="en-US" dirty="0"/>
-          </a:p>
-        </p:txBody>
-      </p:sp>
-      <p:sp>
-        <p:nvSpPr>
-          <p:cNvPr id="7" name="正方形/長方形 6"/>
-          <p:cNvSpPr/>
-          <p:nvPr/>
-        </p:nvSpPr>
-        <p:spPr>
-          <a:xfrm>
-            <a:off x="237390" y="7646136"/>
-            <a:ext cx="6356840" cy="2018264"/>
-          </a:xfrm>
-          <a:prstGeom prst="rect">
-            <a:avLst/>
-          </a:prstGeom>
-        </p:spPr>
-        <p:style>
-          <a:lnRef idx="2">
-            <a:schemeClr val="accent1">
-              <a:shade val="50000"/>
-            </a:schemeClr>
-          </a:lnRef>
-          <a:fillRef idx="1">
-            <a:schemeClr val="accent1"/>
-          </a:fillRef>
-          <a:effectRef idx="0">
-            <a:schemeClr val="accent1"/>
-          </a:effectRef>
-          <a:fontRef idx="minor">
-            <a:schemeClr val="lt1"/>
-          </a:fontRef>
-        </p:style>
-        <p:txBody>
-          <a:bodyPr rtlCol="0" anchor="ctr"/>
-          <a:lstStyle/>
-          <a:p>
-            <a:pPr algn="ctr"/>
-            <a:r>
-              <a:rPr kumimoji="1" lang="ja-JP" altLang="en-US" dirty="0" smtClean="0"/>
+            <a:r>
+              <a:rPr kumimoji="1" lang="ja-JP" altLang="en-US" sz="2800" b="1" dirty="0" smtClean="0"/>
               <a:t>・プレイヤーの攻撃パターンが複数</a:t>
             </a:r>
-            <a:endParaRPr kumimoji="1" lang="en-US" altLang="ja-JP" dirty="0" smtClean="0"/>
-          </a:p>
-          <a:p>
-            <a:pPr algn="ctr"/>
-            <a:r>
-              <a:rPr lang="ja-JP" altLang="en-US" dirty="0" smtClean="0"/>
-              <a:t>・コマンド入力で一撃必殺</a:t>
-            </a:r>
-            <a:endParaRPr lang="en-US" altLang="ja-JP" dirty="0" smtClean="0"/>
-          </a:p>
-          <a:p>
-            <a:pPr algn="ctr"/>
-            <a:endParaRPr kumimoji="1" lang="en-US" altLang="ja-JP" dirty="0" smtClean="0"/>
+            <a:endParaRPr kumimoji="1" lang="en-US" altLang="ja-JP" sz="2800" b="1" dirty="0" smtClean="0"/>
+          </a:p>
+          <a:p>
+            <a:r>
+              <a:rPr lang="ja-JP" altLang="en-US" sz="2800" b="1" dirty="0" smtClean="0"/>
+              <a:t>・コマンド入力で一撃</a:t>
+            </a:r>
+            <a:r>
+              <a:rPr lang="ja-JP" altLang="en-US" sz="2800" b="1" dirty="0" smtClean="0"/>
+              <a:t>必殺</a:t>
+            </a:r>
+            <a:endParaRPr lang="en-US" altLang="ja-JP" sz="2800" b="1" dirty="0" smtClean="0"/>
+          </a:p>
+          <a:p>
+            <a:r>
+              <a:rPr lang="ja-JP" altLang="en-US" sz="2800" b="1" dirty="0" smtClean="0"/>
+              <a:t>・戦闘シーンの強調</a:t>
+            </a:r>
+            <a:endParaRPr kumimoji="1" lang="en-US" altLang="ja-JP" sz="2800" b="1" dirty="0" smtClean="0"/>
           </a:p>
         </p:txBody>
       </p:sp>
@@ -3491,8 +3479,8 @@
         </p:nvSpPr>
         <p:spPr>
           <a:xfrm>
-            <a:off x="3927231" y="326794"/>
-            <a:ext cx="2520461" cy="369332"/>
+            <a:off x="71801" y="708341"/>
+            <a:ext cx="2292040" cy="461665"/>
           </a:xfrm>
           <a:prstGeom prst="rect">
             <a:avLst/>
@@ -3506,38 +3494,36 @@
           <a:lstStyle/>
           <a:p>
             <a:r>
-              <a:rPr kumimoji="1" lang="en-US" altLang="ja-JP" dirty="0" smtClean="0"/>
+              <a:rPr kumimoji="1" lang="en-US" altLang="ja-JP" sz="2400" b="1" dirty="0" smtClean="0"/>
               <a:t>B</a:t>
             </a:r>
             <a:r>
-              <a:rPr kumimoji="1" lang="ja-JP" altLang="en-US" dirty="0" smtClean="0"/>
-              <a:t>班</a:t>
-            </a:r>
-            <a:endParaRPr kumimoji="1" lang="ja-JP" altLang="en-US" dirty="0"/>
-          </a:p>
-        </p:txBody>
-      </p:sp>
-      <p:sp>
-        <p:nvSpPr>
-          <p:cNvPr id="2" name="強調線吹き出し 3 (枠付き) 1"/>
+              <a:rPr kumimoji="1" lang="ja-JP" altLang="en-US" sz="2400" b="1" dirty="0" smtClean="0"/>
+              <a:t>班　鈴木楓汰</a:t>
+            </a:r>
+            <a:endParaRPr kumimoji="1" lang="en-US" altLang="ja-JP" sz="2400" b="1" dirty="0" smtClean="0"/>
+          </a:p>
+        </p:txBody>
+      </p:sp>
+      <p:sp>
+        <p:nvSpPr>
+          <p:cNvPr id="3" name="強調線吹き出し 2 (枠付き) 2"/>
           <p:cNvSpPr/>
           <p:nvPr/>
         </p:nvSpPr>
         <p:spPr>
           <a:xfrm>
-            <a:off x="1277816" y="2253482"/>
-            <a:ext cx="5316414" cy="958642"/>
+            <a:off x="5076088" y="3393120"/>
+            <a:ext cx="1781909" cy="631228"/>
           </a:xfrm>
-          <a:prstGeom prst="accentBorderCallout3">
+          <a:prstGeom prst="accentBorderCallout2">
             <a:avLst>
-              <a:gd name="adj1" fmla="val 88629"/>
-              <a:gd name="adj2" fmla="val -4511"/>
-              <a:gd name="adj3" fmla="val 89834"/>
-              <a:gd name="adj4" fmla="val -15711"/>
-              <a:gd name="adj5" fmla="val 17518"/>
-              <a:gd name="adj6" fmla="val -16153"/>
-              <a:gd name="adj7" fmla="val -52296"/>
-              <a:gd name="adj8" fmla="val -14507"/>
+              <a:gd name="adj1" fmla="val 82386"/>
+              <a:gd name="adj2" fmla="val -7017"/>
+              <a:gd name="adj3" fmla="val 83523"/>
+              <a:gd name="adj4" fmla="val -26536"/>
+              <a:gd name="adj5" fmla="val 157152"/>
+              <a:gd name="adj6" fmla="val -46246"/>
             </a:avLst>
           </a:prstGeom>
         </p:spPr>
@@ -3562,132 +3548,17 @@
           <a:lstStyle/>
           <a:p>
             <a:pPr algn="ctr"/>
-            <a:endParaRPr lang="en-US" altLang="ja-JP" sz="2400" dirty="0" smtClean="0"/>
-          </a:p>
-          <a:p>
-            <a:pPr algn="ctr"/>
-            <a:r>
-              <a:rPr lang="ja-JP" altLang="en-US" sz="2400" b="1" dirty="0" smtClean="0"/>
-              <a:t>コマンド</a:t>
-            </a:r>
-            <a:r>
-              <a:rPr lang="ja-JP" altLang="en-US" sz="2400" dirty="0" smtClean="0"/>
-              <a:t>アクションを巧みにこなし、爽快感や達成感を与える。</a:t>
-            </a:r>
-          </a:p>
-          <a:p>
-            <a:pPr algn="ctr"/>
-            <a:endParaRPr kumimoji="1" lang="ja-JP" altLang="en-US" sz="2000" dirty="0"/>
-          </a:p>
-        </p:txBody>
-      </p:sp>
-      <p:sp>
-        <p:nvSpPr>
-          <p:cNvPr id="3" name="強調線吹き出し 2 (枠付き) 2"/>
-          <p:cNvSpPr/>
-          <p:nvPr/>
-        </p:nvSpPr>
-        <p:spPr>
-          <a:xfrm>
-            <a:off x="4665783" y="4632435"/>
-            <a:ext cx="1781909" cy="631228"/>
-          </a:xfrm>
-          <a:prstGeom prst="accentBorderCallout2">
-            <a:avLst>
-              <a:gd name="adj1" fmla="val 82386"/>
-              <a:gd name="adj2" fmla="val -7017"/>
-              <a:gd name="adj3" fmla="val 83523"/>
-              <a:gd name="adj4" fmla="val -26536"/>
-              <a:gd name="adj5" fmla="val 120454"/>
-              <a:gd name="adj6" fmla="val -40088"/>
-            </a:avLst>
-          </a:prstGeom>
-        </p:spPr>
-        <p:style>
-          <a:lnRef idx="2">
-            <a:schemeClr val="accent1">
-              <a:shade val="50000"/>
-            </a:schemeClr>
-          </a:lnRef>
-          <a:fillRef idx="1">
-            <a:schemeClr val="accent1"/>
-          </a:fillRef>
-          <a:effectRef idx="0">
-            <a:schemeClr val="accent1"/>
-          </a:effectRef>
-          <a:fontRef idx="minor">
-            <a:schemeClr val="lt1"/>
-          </a:fontRef>
-        </p:style>
-        <p:txBody>
-          <a:bodyPr rtlCol="0" anchor="ctr"/>
-          <a:lstStyle/>
-          <a:p>
-            <a:pPr algn="ctr"/>
-            <a:endParaRPr lang="en-US" altLang="ja-JP" dirty="0" smtClean="0"/>
-          </a:p>
-          <a:p>
-            <a:pPr algn="ctr"/>
-            <a:r>
-              <a:rPr lang="ja-JP" altLang="en-US" dirty="0" smtClean="0"/>
+            <a:r>
+              <a:rPr lang="ja-JP" altLang="en-US" sz="3200" dirty="0" smtClean="0">
+                <a:latin typeface="HGP行書体" panose="03000600000000000000" pitchFamily="66" charset="-128"/>
+                <a:ea typeface="HGP行書体" panose="03000600000000000000" pitchFamily="66" charset="-128"/>
+              </a:rPr>
               <a:t>概要</a:t>
             </a:r>
-            <a:endParaRPr lang="ja-JP" altLang="en-US" dirty="0"/>
-          </a:p>
-          <a:p>
-            <a:pPr algn="ctr"/>
-            <a:endParaRPr kumimoji="1" lang="ja-JP" altLang="en-US" dirty="0"/>
-          </a:p>
-        </p:txBody>
-      </p:sp>
-      <p:sp>
-        <p:nvSpPr>
-          <p:cNvPr id="14" name="強調線吹き出し 2 (枠付き) 13"/>
-          <p:cNvSpPr/>
-          <p:nvPr/>
-        </p:nvSpPr>
-        <p:spPr>
-          <a:xfrm>
-            <a:off x="4853354" y="7234957"/>
-            <a:ext cx="1910861" cy="447296"/>
-          </a:xfrm>
-          <a:prstGeom prst="accentBorderCallout2">
-            <a:avLst>
-              <a:gd name="adj1" fmla="val 18750"/>
-              <a:gd name="adj2" fmla="val -8333"/>
-              <a:gd name="adj3" fmla="val 29233"/>
-              <a:gd name="adj4" fmla="val -28937"/>
-              <a:gd name="adj5" fmla="val 143951"/>
-              <a:gd name="adj6" fmla="val -32557"/>
-            </a:avLst>
-          </a:prstGeom>
-        </p:spPr>
-        <p:style>
-          <a:lnRef idx="2">
-            <a:schemeClr val="accent1">
-              <a:shade val="50000"/>
-            </a:schemeClr>
-          </a:lnRef>
-          <a:fillRef idx="1">
-            <a:schemeClr val="accent1"/>
-          </a:fillRef>
-          <a:effectRef idx="0">
-            <a:schemeClr val="accent1"/>
-          </a:effectRef>
-          <a:fontRef idx="minor">
-            <a:schemeClr val="lt1"/>
-          </a:fontRef>
-        </p:style>
-        <p:txBody>
-          <a:bodyPr rtlCol="0" anchor="ctr"/>
-          <a:lstStyle/>
-          <a:p>
-            <a:pPr algn="ctr"/>
-            <a:r>
-              <a:rPr lang="ja-JP" altLang="en-US"/>
-              <a:t>ゲームシステム</a:t>
-            </a:r>
-            <a:endParaRPr lang="en-US" altLang="ja-JP" dirty="0"/>
+            <a:endParaRPr lang="ja-JP" altLang="en-US" sz="3200" dirty="0">
+              <a:latin typeface="HGP行書体" panose="03000600000000000000" pitchFamily="66" charset="-128"/>
+              <a:ea typeface="HGP行書体" panose="03000600000000000000" pitchFamily="66" charset="-128"/>
+            </a:endParaRPr>
           </a:p>
         </p:txBody>
       </p:sp>
@@ -3730,6 +3601,215 @@
           <a:p>
             <a:pPr algn="ctr"/>
             <a:endParaRPr kumimoji="1" lang="ja-JP" altLang="en-US"/>
+          </a:p>
+        </p:txBody>
+      </p:sp>
+      <p:sp>
+        <p:nvSpPr>
+          <p:cNvPr id="8" name="正方形/長方形 7"/>
+          <p:cNvSpPr/>
+          <p:nvPr/>
+        </p:nvSpPr>
+        <p:spPr>
+          <a:xfrm>
+            <a:off x="1647091" y="1972341"/>
+            <a:ext cx="3429000" cy="584775"/>
+          </a:xfrm>
+          <a:prstGeom prst="rect">
+            <a:avLst/>
+          </a:prstGeom>
+        </p:spPr>
+        <p:txBody>
+          <a:bodyPr>
+            <a:spAutoFit/>
+          </a:bodyPr>
+          <a:lstStyle/>
+          <a:p>
+            <a:pPr algn="ctr"/>
+            <a:endParaRPr lang="en-US" altLang="ja-JP" sz="1400" dirty="0"/>
+          </a:p>
+          <a:p>
+            <a:r>
+              <a:rPr lang="ja-JP" altLang="en-US" dirty="0" err="1" smtClean="0"/>
+              <a:t>。</a:t>
+            </a:r>
+            <a:endParaRPr lang="ja-JP" altLang="en-US" dirty="0"/>
+          </a:p>
+        </p:txBody>
+      </p:sp>
+      <p:sp>
+        <p:nvSpPr>
+          <p:cNvPr id="12" name="正方形/長方形 11"/>
+          <p:cNvSpPr/>
+          <p:nvPr/>
+        </p:nvSpPr>
+        <p:spPr>
+          <a:xfrm>
+            <a:off x="2" y="1511391"/>
+            <a:ext cx="6857998" cy="1497089"/>
+          </a:xfrm>
+          <a:prstGeom prst="rect">
+            <a:avLst/>
+          </a:prstGeom>
+        </p:spPr>
+        <p:style>
+          <a:lnRef idx="2">
+            <a:schemeClr val="accent1">
+              <a:shade val="50000"/>
+            </a:schemeClr>
+          </a:lnRef>
+          <a:fillRef idx="1">
+            <a:schemeClr val="accent1"/>
+          </a:fillRef>
+          <a:effectRef idx="0">
+            <a:schemeClr val="accent1"/>
+          </a:effectRef>
+          <a:fontRef idx="minor">
+            <a:schemeClr val="lt1"/>
+          </a:fontRef>
+        </p:style>
+        <p:txBody>
+          <a:bodyPr rtlCol="0" anchor="ctr"/>
+          <a:lstStyle/>
+          <a:p>
+            <a:r>
+              <a:rPr lang="ja-JP" altLang="en-US" sz="2800" b="1" dirty="0"/>
+              <a:t>コマンドアクションを巧みにこなし</a:t>
+            </a:r>
+            <a:r>
+              <a:rPr lang="ja-JP" altLang="en-US" sz="2800" b="1" dirty="0" smtClean="0"/>
+              <a:t>、</a:t>
+            </a:r>
+            <a:endParaRPr lang="en-US" altLang="ja-JP" sz="2800" b="1" dirty="0" smtClean="0"/>
+          </a:p>
+          <a:p>
+            <a:r>
+              <a:rPr lang="ja-JP" altLang="en-US" sz="2800" b="1" dirty="0" smtClean="0"/>
+              <a:t>爽快感</a:t>
+            </a:r>
+            <a:r>
+              <a:rPr lang="ja-JP" altLang="en-US" sz="2800" b="1" dirty="0"/>
+              <a:t>や達成感を</a:t>
+            </a:r>
+            <a:r>
+              <a:rPr lang="ja-JP" altLang="en-US" sz="2800" b="1" dirty="0" smtClean="0"/>
+              <a:t>与える</a:t>
+            </a:r>
+            <a:endParaRPr lang="en-US" altLang="ja-JP" sz="2800" b="1" dirty="0"/>
+          </a:p>
+        </p:txBody>
+      </p:sp>
+      <p:sp>
+        <p:nvSpPr>
+          <p:cNvPr id="13" name="強調線吹き出し 2 (枠付き) 12"/>
+          <p:cNvSpPr/>
+          <p:nvPr/>
+        </p:nvSpPr>
+        <p:spPr>
+          <a:xfrm>
+            <a:off x="5076088" y="538778"/>
+            <a:ext cx="1781909" cy="631228"/>
+          </a:xfrm>
+          <a:prstGeom prst="accentBorderCallout2">
+            <a:avLst>
+              <a:gd name="adj1" fmla="val 82386"/>
+              <a:gd name="adj2" fmla="val -7017"/>
+              <a:gd name="adj3" fmla="val 83523"/>
+              <a:gd name="adj4" fmla="val -26536"/>
+              <a:gd name="adj5" fmla="val 157152"/>
+              <a:gd name="adj6" fmla="val -46246"/>
+            </a:avLst>
+          </a:prstGeom>
+        </p:spPr>
+        <p:style>
+          <a:lnRef idx="2">
+            <a:schemeClr val="accent1">
+              <a:shade val="50000"/>
+            </a:schemeClr>
+          </a:lnRef>
+          <a:fillRef idx="1">
+            <a:schemeClr val="accent1"/>
+          </a:fillRef>
+          <a:effectRef idx="0">
+            <a:schemeClr val="accent1"/>
+          </a:effectRef>
+          <a:fontRef idx="minor">
+            <a:schemeClr val="lt1"/>
+          </a:fontRef>
+        </p:style>
+        <p:txBody>
+          <a:bodyPr rtlCol="0" anchor="ctr"/>
+          <a:lstStyle/>
+          <a:p>
+            <a:pPr algn="ctr"/>
+            <a:r>
+              <a:rPr lang="ja-JP" altLang="en-US" sz="3200" dirty="0">
+                <a:latin typeface="HGP行書体" panose="03000600000000000000" pitchFamily="66" charset="-128"/>
+                <a:ea typeface="HGP行書体" panose="03000600000000000000" pitchFamily="66" charset="-128"/>
+              </a:rPr>
+              <a:t>コンセプト</a:t>
+            </a:r>
+            <a:endParaRPr lang="ja-JP" altLang="en-US" sz="3200" dirty="0">
+              <a:latin typeface="HGP行書体" panose="03000600000000000000" pitchFamily="66" charset="-128"/>
+              <a:ea typeface="HGP行書体" panose="03000600000000000000" pitchFamily="66" charset="-128"/>
+            </a:endParaRPr>
+          </a:p>
+        </p:txBody>
+      </p:sp>
+      <p:sp>
+        <p:nvSpPr>
+          <p:cNvPr id="16" name="強調線吹き出し 2 (枠付き) 15"/>
+          <p:cNvSpPr/>
+          <p:nvPr/>
+        </p:nvSpPr>
+        <p:spPr>
+          <a:xfrm>
+            <a:off x="4301895" y="6413078"/>
+            <a:ext cx="2556105" cy="631228"/>
+          </a:xfrm>
+          <a:prstGeom prst="accentBorderCallout2">
+            <a:avLst>
+              <a:gd name="adj1" fmla="val 82386"/>
+              <a:gd name="adj2" fmla="val -7017"/>
+              <a:gd name="adj3" fmla="val 83523"/>
+              <a:gd name="adj4" fmla="val -26536"/>
+              <a:gd name="adj5" fmla="val 176467"/>
+              <a:gd name="adj6" fmla="val -33532"/>
+            </a:avLst>
+          </a:prstGeom>
+        </p:spPr>
+        <p:style>
+          <a:lnRef idx="2">
+            <a:schemeClr val="accent1">
+              <a:shade val="50000"/>
+            </a:schemeClr>
+          </a:lnRef>
+          <a:fillRef idx="1">
+            <a:schemeClr val="accent1"/>
+          </a:fillRef>
+          <a:effectRef idx="0">
+            <a:schemeClr val="accent1"/>
+          </a:effectRef>
+          <a:fontRef idx="minor">
+            <a:schemeClr val="lt1"/>
+          </a:fontRef>
+        </p:style>
+        <p:txBody>
+          <a:bodyPr rtlCol="0" anchor="ctr"/>
+          <a:lstStyle/>
+          <a:p>
+            <a:pPr algn="ctr"/>
+            <a:r>
+              <a:rPr lang="ja-JP" altLang="en-US" sz="3200" dirty="0">
+                <a:latin typeface="HGP行書体" panose="03000600000000000000" pitchFamily="66" charset="-128"/>
+                <a:ea typeface="HGP行書体" panose="03000600000000000000" pitchFamily="66" charset="-128"/>
+              </a:rPr>
+              <a:t>ゲームシステム</a:t>
+            </a:r>
+            <a:endParaRPr lang="ja-JP" altLang="en-US" sz="3200" dirty="0">
+              <a:latin typeface="HGP行書体" panose="03000600000000000000" pitchFamily="66" charset="-128"/>
+              <a:ea typeface="HGP行書体" panose="03000600000000000000" pitchFamily="66" charset="-128"/>
+            </a:endParaRPr>
           </a:p>
         </p:txBody>
       </p:sp>
